--- a/contents/office2013/powerpoint/01/sample.pptx
+++ b/contents/office2013/powerpoint/01/sample.pptx
@@ -170,6 +170,20 @@
           </p14:sldIdLst>
         </p14:section>
       </p14:sectionLst>
+    </p:ext>
+    <p:ext uri="{EFAFB233-063F-42B5-8137-9DF3F51BA10A}">
+      <p15:sldGuideLst xmlns:p15="http://schemas.microsoft.com/office/powerpoint/2012/main">
+        <p15:guide id="1" orient="horz" pos="2160">
+          <p15:clr>
+            <a:srgbClr val="A4A3A4"/>
+          </p15:clr>
+        </p15:guide>
+        <p15:guide id="2" pos="2880">
+          <p15:clr>
+            <a:srgbClr val="A4A3A4"/>
+          </p15:clr>
+        </p15:guide>
+      </p15:sldGuideLst>
     </p:ext>
   </p:extLst>
 </p:presentation>
@@ -6488,9 +6502,9 @@
       </p:sp>
       <p:pic>
         <p:nvPicPr>
-          <p:cNvPr id="1026" name="Picture 2" descr="C:\Program Files\Microsoft Office\MEDIA\CAGCAT10\j0195384.wmf"/>
+          <p:cNvPr id="2" name="図 1"/>
           <p:cNvPicPr>
-            <a:picLocks noChangeAspect="1" noChangeArrowheads="1"/>
+            <a:picLocks noChangeAspect="1"/>
           </p:cNvPicPr>
           <p:nvPr/>
         </p:nvPicPr>
@@ -6502,29 +6516,18 @@
               </a:ext>
             </a:extLst>
           </a:blip>
-          <a:srcRect/>
           <a:stretch>
             <a:fillRect/>
           </a:stretch>
         </p:blipFill>
-        <p:spPr bwMode="auto">
+        <p:spPr>
           <a:xfrm>
-            <a:off x="6156176" y="4365104"/>
-            <a:ext cx="1795462" cy="1833562"/>
+            <a:off x="5364088" y="3933056"/>
+            <a:ext cx="2952328" cy="2680929"/>
           </a:xfrm>
           <a:prstGeom prst="rect">
             <a:avLst/>
           </a:prstGeom>
-          <a:noFill/>
-          <a:extLst>
-            <a:ext uri="{909E8E84-426E-40DD-AFC4-6F175D3DCCD1}">
-              <a14:hiddenFill xmlns:a14="http://schemas.microsoft.com/office/drawing/2010/main">
-                <a:solidFill>
-                  <a:srgbClr val="FFFFFF"/>
-                </a:solidFill>
-              </a14:hiddenFill>
-            </a:ext>
-          </a:extLst>
         </p:spPr>
       </p:pic>
     </p:spTree>
